--- a/ppt/3. 运算符与表达式.pptx
+++ b/ppt/3. 运算符与表达式.pptx
@@ -260,7 +260,7 @@
           <a:p>
             <a:fld id="{4D0109D1-EB02-4A0D-81D9-3BF5B8080922}" type="datetimeFigureOut">
               <a:rPr lang="zh-CN" altLang="en-US" smtClean="0"/>
-              <a:t>2020/3/4</a:t>
+              <a:t>2021/3/8</a:t>
             </a:fld>
             <a:endParaRPr lang="zh-CN" altLang="en-US"/>
           </a:p>
@@ -425,7 +425,7 @@
           <a:p>
             <a:fld id="{F26537E0-B6F7-4F30-B86B-4CA7244EDE51}" type="datetimeFigureOut">
               <a:rPr lang="zh-CN" altLang="en-US" smtClean="0"/>
-              <a:t>2020/3/4</a:t>
+              <a:t>2021/3/8</a:t>
             </a:fld>
             <a:endParaRPr lang="zh-CN" altLang="en-US"/>
           </a:p>
@@ -1251,7 +1251,7 @@
           <a:p>
             <a:fld id="{28F278B1-967A-472E-BA85-F595929CDA06}" type="datetimeFigureOut">
               <a:rPr lang="zh-CN" altLang="en-US" smtClean="0"/>
-              <a:t>2020/3/4</a:t>
+              <a:t>2021/3/8</a:t>
             </a:fld>
             <a:endParaRPr lang="zh-CN" altLang="en-US"/>
           </a:p>
@@ -1419,7 +1419,7 @@
           <a:p>
             <a:fld id="{28F278B1-967A-472E-BA85-F595929CDA06}" type="datetimeFigureOut">
               <a:rPr lang="zh-CN" altLang="en-US" smtClean="0"/>
-              <a:t>2020/3/4</a:t>
+              <a:t>2021/3/8</a:t>
             </a:fld>
             <a:endParaRPr lang="zh-CN" altLang="en-US"/>
           </a:p>
@@ -1597,7 +1597,7 @@
           <a:p>
             <a:fld id="{28F278B1-967A-472E-BA85-F595929CDA06}" type="datetimeFigureOut">
               <a:rPr lang="zh-CN" altLang="en-US" smtClean="0"/>
-              <a:t>2020/3/4</a:t>
+              <a:t>2021/3/8</a:t>
             </a:fld>
             <a:endParaRPr lang="zh-CN" altLang="en-US"/>
           </a:p>
@@ -1783,7 +1783,7 @@
           <a:p>
             <a:fld id="{28F278B1-967A-472E-BA85-F595929CDA06}" type="datetimeFigureOut">
               <a:rPr lang="zh-CN" altLang="en-US" smtClean="0"/>
-              <a:t>2020/3/4</a:t>
+              <a:t>2021/3/8</a:t>
             </a:fld>
             <a:endParaRPr lang="zh-CN" altLang="en-US"/>
           </a:p>
@@ -2028,7 +2028,7 @@
           <a:p>
             <a:fld id="{28F278B1-967A-472E-BA85-F595929CDA06}" type="datetimeFigureOut">
               <a:rPr lang="zh-CN" altLang="en-US" smtClean="0"/>
-              <a:t>2020/3/4</a:t>
+              <a:t>2021/3/8</a:t>
             </a:fld>
             <a:endParaRPr lang="zh-CN" altLang="en-US"/>
           </a:p>
@@ -2257,7 +2257,7 @@
           <a:p>
             <a:fld id="{28F278B1-967A-472E-BA85-F595929CDA06}" type="datetimeFigureOut">
               <a:rPr lang="zh-CN" altLang="en-US" smtClean="0"/>
-              <a:t>2020/3/4</a:t>
+              <a:t>2021/3/8</a:t>
             </a:fld>
             <a:endParaRPr lang="zh-CN" altLang="en-US"/>
           </a:p>
@@ -2621,7 +2621,7 @@
           <a:p>
             <a:fld id="{28F278B1-967A-472E-BA85-F595929CDA06}" type="datetimeFigureOut">
               <a:rPr lang="zh-CN" altLang="en-US" smtClean="0"/>
-              <a:t>2020/3/4</a:t>
+              <a:t>2021/3/8</a:t>
             </a:fld>
             <a:endParaRPr lang="zh-CN" altLang="en-US"/>
           </a:p>
@@ -2738,7 +2738,7 @@
           <a:p>
             <a:fld id="{28F278B1-967A-472E-BA85-F595929CDA06}" type="datetimeFigureOut">
               <a:rPr lang="zh-CN" altLang="en-US" smtClean="0"/>
-              <a:t>2020/3/4</a:t>
+              <a:t>2021/3/8</a:t>
             </a:fld>
             <a:endParaRPr lang="zh-CN" altLang="en-US"/>
           </a:p>
@@ -2833,7 +2833,7 @@
           <a:p>
             <a:fld id="{28F278B1-967A-472E-BA85-F595929CDA06}" type="datetimeFigureOut">
               <a:rPr lang="zh-CN" altLang="en-US" smtClean="0"/>
-              <a:t>2020/3/4</a:t>
+              <a:t>2021/3/8</a:t>
             </a:fld>
             <a:endParaRPr lang="zh-CN" altLang="en-US"/>
           </a:p>
@@ -3108,7 +3108,7 @@
           <a:p>
             <a:fld id="{28F278B1-967A-472E-BA85-F595929CDA06}" type="datetimeFigureOut">
               <a:rPr lang="zh-CN" altLang="en-US" smtClean="0"/>
-              <a:t>2020/3/4</a:t>
+              <a:t>2021/3/8</a:t>
             </a:fld>
             <a:endParaRPr lang="zh-CN" altLang="en-US"/>
           </a:p>
@@ -3360,7 +3360,7 @@
           <a:p>
             <a:fld id="{28F278B1-967A-472E-BA85-F595929CDA06}" type="datetimeFigureOut">
               <a:rPr lang="zh-CN" altLang="en-US" smtClean="0"/>
-              <a:t>2020/3/4</a:t>
+              <a:t>2021/3/8</a:t>
             </a:fld>
             <a:endParaRPr lang="zh-CN" altLang="en-US"/>
           </a:p>
@@ -3571,7 +3571,7 @@
           <a:p>
             <a:fld id="{28F278B1-967A-472E-BA85-F595929CDA06}" type="datetimeFigureOut">
               <a:rPr lang="zh-CN" altLang="en-US" smtClean="0"/>
-              <a:t>2020/3/4</a:t>
+              <a:t>2021/3/8</a:t>
             </a:fld>
             <a:endParaRPr lang="zh-CN" altLang="en-US"/>
           </a:p>
@@ -4079,6 +4079,14 @@
           <a:p>
             <a:r>
               <a:rPr lang="en-US" altLang="zh-CN" dirty="0" err="1"/>
+              <a:t>Youtube</a:t>
+            </a:r>
+            <a:r>
+              <a:rPr lang="en-US" altLang="zh-CN" dirty="0"/>
+              <a:t>: </a:t>
+            </a:r>
+            <a:r>
+              <a:rPr lang="en-US" altLang="zh-CN" dirty="0" err="1"/>
               <a:t>hwdong</a:t>
             </a:r>
             <a:endParaRPr lang="en-US" altLang="zh-CN" dirty="0"/>
@@ -4090,7 +4098,7 @@
             </a:r>
             <a:r>
               <a:rPr lang="zh-CN" altLang="en-US" dirty="0"/>
-              <a:t>站 和微博： </a:t>
+              <a:t>站： </a:t>
             </a:r>
             <a:r>
               <a:rPr lang="en-US" altLang="zh-CN" dirty="0" err="1"/>
@@ -9963,7 +9971,7 @@
           <p:nvPr/>
         </p:nvPicPr>
         <p:blipFill>
-          <a:blip r:embed="rId4"/>
+          <a:blip r:embed="rId3"/>
           <a:stretch>
             <a:fillRect/>
           </a:stretch>
@@ -10006,12 +10014,12 @@
           <a:graphicData uri="http://schemas.openxmlformats.org/presentationml/2006/ole">
             <mc:AlternateContent xmlns:mc="http://schemas.openxmlformats.org/markup-compatibility/2006">
               <mc:Choice xmlns:v="urn:schemas-microsoft-com:vml" Requires="v">
-                <p:oleObj spid="_x0000_s1038" name="BMP 图像" r:id="rId5" imgW="3512880" imgH="2209680" progId="Paint.Picture">
+                <p:oleObj name="BMP 图像" r:id="rId4" imgW="3512880" imgH="2209680" progId="Paint.Picture">
                   <p:embed/>
                 </p:oleObj>
               </mc:Choice>
               <mc:Fallback>
-                <p:oleObj name="BMP 图像" r:id="rId5" imgW="3512880" imgH="2209680" progId="Paint.Picture">
+                <p:oleObj name="BMP 图像" r:id="rId4" imgW="3512880" imgH="2209680" progId="Paint.Picture">
                   <p:embed/>
                   <p:pic>
                     <p:nvPicPr>
@@ -10020,7 +10028,7 @@
                       <p:nvPr/>
                     </p:nvPicPr>
                     <p:blipFill>
-                      <a:blip r:embed="rId6"/>
+                      <a:blip r:embed="rId5"/>
                       <a:stretch>
                         <a:fillRect/>
                       </a:stretch>
@@ -10241,7 +10249,7 @@
         </p:blipFill>
         <p:spPr>
           <a:xfrm>
-            <a:off x="312372" y="3826749"/>
+            <a:off x="285077" y="3813101"/>
             <a:ext cx="11567255" cy="2148051"/>
           </a:xfrm>
           <a:prstGeom prst="rect">
@@ -10259,6 +10267,81 @@
   <p:clrMapOvr>
     <a:masterClrMapping/>
   </p:clrMapOvr>
+  <p:timing>
+    <p:tnLst>
+      <p:par>
+        <p:cTn id="1" dur="indefinite" restart="never" nodeType="tmRoot">
+          <p:childTnLst>
+            <p:seq concurrent="1" nextAc="seek">
+              <p:cTn id="2" dur="indefinite" nodeType="mainSeq">
+                <p:childTnLst>
+                  <p:par>
+                    <p:cTn id="3" fill="hold">
+                      <p:stCondLst>
+                        <p:cond delay="indefinite"/>
+                      </p:stCondLst>
+                      <p:childTnLst>
+                        <p:par>
+                          <p:cTn id="4" fill="hold">
+                            <p:stCondLst>
+                              <p:cond delay="0"/>
+                            </p:stCondLst>
+                            <p:childTnLst>
+                              <p:par>
+                                <p:cTn id="5" presetID="1" presetClass="entr" presetSubtype="0" fill="hold" nodeType="clickEffect">
+                                  <p:stCondLst>
+                                    <p:cond delay="0"/>
+                                  </p:stCondLst>
+                                  <p:childTnLst>
+                                    <p:set>
+                                      <p:cBhvr>
+                                        <p:cTn id="6" dur="1" fill="hold">
+                                          <p:stCondLst>
+                                            <p:cond delay="0"/>
+                                          </p:stCondLst>
+                                        </p:cTn>
+                                        <p:tgtEl>
+                                          <p:spTgt spid="5"/>
+                                        </p:tgtEl>
+                                        <p:attrNameLst>
+                                          <p:attrName>style.visibility</p:attrName>
+                                        </p:attrNameLst>
+                                      </p:cBhvr>
+                                      <p:to>
+                                        <p:strVal val="visible"/>
+                                      </p:to>
+                                    </p:set>
+                                  </p:childTnLst>
+                                </p:cTn>
+                              </p:par>
+                            </p:childTnLst>
+                          </p:cTn>
+                        </p:par>
+                      </p:childTnLst>
+                    </p:cTn>
+                  </p:par>
+                </p:childTnLst>
+              </p:cTn>
+              <p:prevCondLst>
+                <p:cond evt="onPrev" delay="0">
+                  <p:tgtEl>
+                    <p:sldTgt/>
+                  </p:tgtEl>
+                </p:cond>
+              </p:prevCondLst>
+              <p:nextCondLst>
+                <p:cond evt="onNext" delay="0">
+                  <p:tgtEl>
+                    <p:sldTgt/>
+                  </p:tgtEl>
+                </p:cond>
+              </p:nextCondLst>
+            </p:seq>
+          </p:childTnLst>
+        </p:cTn>
+      </p:par>
+    </p:tnLst>
+  </p:timing>
 </p:sld>
 </file>
 
